--- a/SliceBaoCao.pptx
+++ b/SliceBaoCao.pptx
@@ -105,7 +105,24 @@
       </a:defRPr>
     </a:lvl9pPr>
   </p:defaultTextStyle>
+  <p:extLst>
+    <p:ext uri="{EFAFB233-063F-42B5-8137-9DF3F51BA10A}">
+      <p15:sldGuideLst xmlns:p15="http://schemas.microsoft.com/office/powerpoint/2012/main"/>
+    </p:ext>
+  </p:extLst>
 </p:presentation>
+</file>
+
+<file path=ppt/commentAuthors.xml><?xml version="1.0" encoding="utf-8"?>
+<p:cmAuthorLst xmlns:a="http://schemas.openxmlformats.org/drawingml/2006/main" xmlns:r="http://schemas.openxmlformats.org/officeDocument/2006/relationships" xmlns:p="http://schemas.openxmlformats.org/presentationml/2006/main">
+  <p:cmAuthor id="1" name="Trần Phương" initials="TP" lastIdx="1" clrIdx="0">
+    <p:extLst>
+      <p:ext uri="{19B8F6BF-5375-455C-9EA6-DF929625EA0E}">
+        <p15:presenceInfo xmlns:p15="http://schemas.microsoft.com/office/powerpoint/2012/main" userId="687872afbdc5ba9b" providerId="Windows Live"/>
+      </p:ext>
+    </p:extLst>
+  </p:cmAuthor>
+</p:cmAuthorLst>
 </file>
 
 <file path=ppt/slideLayouts/slideLayout1.xml><?xml version="1.0" encoding="utf-8"?>
@@ -3311,7 +3328,7 @@
     <p:bg>
       <p:bgPr>
         <a:solidFill>
-          <a:srgbClr val="005F3A"/>
+          <a:srgbClr val="92D050"/>
         </a:solidFill>
         <a:effectLst/>
       </p:bgPr>
@@ -3643,8 +3660,8 @@
         </p:nvSpPr>
         <p:spPr>
           <a:xfrm>
-            <a:off x="991102" y="2036311"/>
-            <a:ext cx="11112622" cy="2785378"/>
+            <a:off x="1327986" y="1907975"/>
+            <a:ext cx="9853361" cy="3170099"/>
           </a:xfrm>
           <a:prstGeom prst="rect">
             <a:avLst/>
@@ -3701,7 +3718,7 @@
                   </a:outerShdw>
                 </a:effectLst>
               </a:rPr>
-              <a:t>Sử dụng NETBEAN để lập trình.</a:t>
+              <a:t>Sử dụng NETBEAN để lập trình. </a:t>
             </a:r>
           </a:p>
           <a:p>
@@ -3741,6 +3758,63 @@
                   </a:outerShdw>
                 </a:effectLst>
               </a:rPr>
+              <a:t>sever</a:t>
+            </a:r>
+            <a:r>
+              <a:rPr lang="vi-VN" sz="2500" dirty="0">
+                <a:ln w="3175">
+                  <a:solidFill>
+                    <a:srgbClr val="005F3A"/>
+                  </a:solidFill>
+                </a:ln>
+                <a:effectLst>
+                  <a:outerShdw blurRad="38100" dist="19050" dir="2700000" algn="tl" rotWithShape="0">
+                    <a:schemeClr val="dk1">
+                      <a:alpha val="40000"/>
+                    </a:schemeClr>
+                  </a:outerShdw>
+                </a:effectLst>
+              </a:rPr>
+              <a:t> là TOMCAT.</a:t>
+            </a:r>
+          </a:p>
+          <a:p>
+            <a:pPr marL="457200" indent="-457200">
+              <a:buFont typeface="Wingdings" panose="05000000000000000000" pitchFamily="2" charset="2"/>
+              <a:buChar char="§"/>
+            </a:pPr>
+            <a:r>
+              <a:rPr lang="vi-VN" sz="2500" dirty="0">
+                <a:ln w="3175">
+                  <a:solidFill>
+                    <a:srgbClr val="005F3A"/>
+                  </a:solidFill>
+                </a:ln>
+                <a:effectLst>
+                  <a:outerShdw blurRad="38100" dist="19050" dir="2700000" algn="tl" rotWithShape="0">
+                    <a:schemeClr val="dk1">
+                      <a:alpha val="40000"/>
+                    </a:schemeClr>
+                  </a:outerShdw>
+                </a:effectLst>
+              </a:rPr>
+              <a:t>Sử dụng </a:t>
+            </a:r>
+            <a:r>
+              <a:rPr lang="vi-VN" sz="2500" dirty="0" err="1">
+                <a:ln w="3175">
+                  <a:solidFill>
+                    <a:srgbClr val="005F3A"/>
+                  </a:solidFill>
+                </a:ln>
+                <a:effectLst>
+                  <a:outerShdw blurRad="38100" dist="19050" dir="2700000" algn="tl" rotWithShape="0">
+                    <a:schemeClr val="dk1">
+                      <a:alpha val="40000"/>
+                    </a:schemeClr>
+                  </a:outerShdw>
+                </a:effectLst>
+              </a:rPr>
               <a:t>Java</a:t>
             </a:r>
             <a:r>
@@ -3792,41 +3866,7 @@
                   </a:outerShdw>
                 </a:effectLst>
               </a:rPr>
-              <a:t>: để xử lý các yêu cầu từ máy chủ trang </a:t>
-            </a:r>
-            <a:r>
-              <a:rPr lang="vi-VN" sz="2500" dirty="0" err="1">
-                <a:ln w="3175">
-                  <a:solidFill>
-                    <a:srgbClr val="005F3A"/>
-                  </a:solidFill>
-                </a:ln>
-                <a:effectLst>
-                  <a:outerShdw blurRad="38100" dist="19050" dir="2700000" algn="tl" rotWithShape="0">
-                    <a:schemeClr val="dk1">
-                      <a:alpha val="40000"/>
-                    </a:schemeClr>
-                  </a:outerShdw>
-                </a:effectLst>
-              </a:rPr>
-              <a:t>web</a:t>
-            </a:r>
-            <a:r>
-              <a:rPr lang="vi-VN" sz="2500" dirty="0">
-                <a:ln w="3175">
-                  <a:solidFill>
-                    <a:srgbClr val="005F3A"/>
-                  </a:solidFill>
-                </a:ln>
-                <a:effectLst>
-                  <a:outerShdw blurRad="38100" dist="19050" dir="2700000" algn="tl" rotWithShape="0">
-                    <a:schemeClr val="dk1">
-                      <a:alpha val="40000"/>
-                    </a:schemeClr>
-                  </a:outerShdw>
-                </a:effectLst>
-              </a:rPr>
-              <a:t>.</a:t>
+              <a:t>: để xử lý các yêu cầu gửi về máy chủ.</a:t>
             </a:r>
           </a:p>
           <a:p>
